--- a/_포트폴리오/최종/포트폴리오_송진규_과거2.pptx
+++ b/_포트폴리오/최종/포트폴리오_송진규_과거2.pptx
@@ -198,7 +198,7 @@
           <a:p>
             <a:fld id="{EB762C6C-61A4-4A96-BF6C-CDA03ADAA243}" type="datetimeFigureOut">
               <a:rPr lang="ko-KR" altLang="en-US" smtClean="0"/>
-              <a:t>2019-01-24</a:t>
+              <a:t>2019-01-29</a:t>
             </a:fld>
             <a:endParaRPr lang="ko-KR" altLang="en-US"/>
           </a:p>
@@ -815,7 +815,7 @@
           <a:p>
             <a:fld id="{7124A09B-C8D5-4831-A103-306AD3D3BC49}" type="datetimeFigureOut">
               <a:rPr lang="ko-KR" altLang="en-US" smtClean="0"/>
-              <a:t>2019-01-24</a:t>
+              <a:t>2019-01-29</a:t>
             </a:fld>
             <a:endParaRPr lang="ko-KR" altLang="en-US"/>
           </a:p>
@@ -985,7 +985,7 @@
           <a:p>
             <a:fld id="{7124A09B-C8D5-4831-A103-306AD3D3BC49}" type="datetimeFigureOut">
               <a:rPr lang="ko-KR" altLang="en-US" smtClean="0"/>
-              <a:t>2019-01-24</a:t>
+              <a:t>2019-01-29</a:t>
             </a:fld>
             <a:endParaRPr lang="ko-KR" altLang="en-US"/>
           </a:p>
@@ -1165,7 +1165,7 @@
           <a:p>
             <a:fld id="{7124A09B-C8D5-4831-A103-306AD3D3BC49}" type="datetimeFigureOut">
               <a:rPr lang="ko-KR" altLang="en-US" smtClean="0"/>
-              <a:t>2019-01-24</a:t>
+              <a:t>2019-01-29</a:t>
             </a:fld>
             <a:endParaRPr lang="ko-KR" altLang="en-US"/>
           </a:p>
@@ -1335,7 +1335,7 @@
           <a:p>
             <a:fld id="{7124A09B-C8D5-4831-A103-306AD3D3BC49}" type="datetimeFigureOut">
               <a:rPr lang="ko-KR" altLang="en-US" smtClean="0"/>
-              <a:t>2019-01-24</a:t>
+              <a:t>2019-01-29</a:t>
             </a:fld>
             <a:endParaRPr lang="ko-KR" altLang="en-US"/>
           </a:p>
@@ -1581,7 +1581,7 @@
           <a:p>
             <a:fld id="{7124A09B-C8D5-4831-A103-306AD3D3BC49}" type="datetimeFigureOut">
               <a:rPr lang="ko-KR" altLang="en-US" smtClean="0"/>
-              <a:t>2019-01-24</a:t>
+              <a:t>2019-01-29</a:t>
             </a:fld>
             <a:endParaRPr lang="ko-KR" altLang="en-US"/>
           </a:p>
@@ -1869,7 +1869,7 @@
           <a:p>
             <a:fld id="{7124A09B-C8D5-4831-A103-306AD3D3BC49}" type="datetimeFigureOut">
               <a:rPr lang="ko-KR" altLang="en-US" smtClean="0"/>
-              <a:t>2019-01-24</a:t>
+              <a:t>2019-01-29</a:t>
             </a:fld>
             <a:endParaRPr lang="ko-KR" altLang="en-US"/>
           </a:p>
@@ -2291,7 +2291,7 @@
           <a:p>
             <a:fld id="{7124A09B-C8D5-4831-A103-306AD3D3BC49}" type="datetimeFigureOut">
               <a:rPr lang="ko-KR" altLang="en-US" smtClean="0"/>
-              <a:t>2019-01-24</a:t>
+              <a:t>2019-01-29</a:t>
             </a:fld>
             <a:endParaRPr lang="ko-KR" altLang="en-US"/>
           </a:p>
@@ -2409,7 +2409,7 @@
           <a:p>
             <a:fld id="{7124A09B-C8D5-4831-A103-306AD3D3BC49}" type="datetimeFigureOut">
               <a:rPr lang="ko-KR" altLang="en-US" smtClean="0"/>
-              <a:t>2019-01-24</a:t>
+              <a:t>2019-01-29</a:t>
             </a:fld>
             <a:endParaRPr lang="ko-KR" altLang="en-US"/>
           </a:p>
@@ -2504,7 +2504,7 @@
           <a:p>
             <a:fld id="{7124A09B-C8D5-4831-A103-306AD3D3BC49}" type="datetimeFigureOut">
               <a:rPr lang="ko-KR" altLang="en-US" smtClean="0"/>
-              <a:t>2019-01-24</a:t>
+              <a:t>2019-01-29</a:t>
             </a:fld>
             <a:endParaRPr lang="ko-KR" altLang="en-US"/>
           </a:p>
@@ -2781,7 +2781,7 @@
           <a:p>
             <a:fld id="{7124A09B-C8D5-4831-A103-306AD3D3BC49}" type="datetimeFigureOut">
               <a:rPr lang="ko-KR" altLang="en-US" smtClean="0"/>
-              <a:t>2019-01-24</a:t>
+              <a:t>2019-01-29</a:t>
             </a:fld>
             <a:endParaRPr lang="ko-KR" altLang="en-US"/>
           </a:p>
@@ -3034,7 +3034,7 @@
           <a:p>
             <a:fld id="{7124A09B-C8D5-4831-A103-306AD3D3BC49}" type="datetimeFigureOut">
               <a:rPr lang="ko-KR" altLang="en-US" smtClean="0"/>
-              <a:t>2019-01-24</a:t>
+              <a:t>2019-01-29</a:t>
             </a:fld>
             <a:endParaRPr lang="ko-KR" altLang="en-US"/>
           </a:p>
@@ -3247,7 +3247,7 @@
           <a:p>
             <a:fld id="{7124A09B-C8D5-4831-A103-306AD3D3BC49}" type="datetimeFigureOut">
               <a:rPr lang="ko-KR" altLang="en-US" smtClean="0"/>
-              <a:t>2019-01-24</a:t>
+              <a:t>2019-01-29</a:t>
             </a:fld>
             <a:endParaRPr lang="ko-KR" altLang="en-US"/>
           </a:p>
